--- a/IMS_A_6_Initial_Presentation.pptx
+++ b/IMS_A_6_Initial_Presentation.pptx
@@ -225,7 +225,7 @@
           <a:p>
             <a:fld id="{A6952B95-06EE-48F9-8CE6-BD72AE48B352}" type="datetimeFigureOut">
               <a:rPr lang="en-GB" smtClean="0"/>
-              <a:t>23/10/2017</a:t>
+              <a:t>25/10/2017</a:t>
             </a:fld>
             <a:endParaRPr lang="en-GB"/>
           </a:p>
@@ -402,7 +402,7 @@
           <a:p>
             <a:fld id="{5D71F2A7-5F20-42E8-AABF-EC7FFDF3CF26}" type="datetimeFigureOut">
               <a:rPr lang="en-GB" smtClean="0"/>
-              <a:t>23/10/2017</a:t>
+              <a:t>25/10/2017</a:t>
             </a:fld>
             <a:endParaRPr lang="en-GB"/>
           </a:p>
@@ -4660,15 +4660,7 @@
             </a:pPr>
             <a:r>
               <a:rPr lang="it-IT" dirty="0"/>
-              <a:t>A new student of the Free University of Bolzano arrives in the city. He does not have any friends, and neither has been in South Tyrol before. However, he wants to discover the beauty of the villages and the environement in which he </a:t>
-            </a:r>
-            <a:r>
-              <a:rPr lang="it-IT"/>
-              <a:t>will live </a:t>
-            </a:r>
-            <a:r>
-              <a:rPr lang="it-IT" dirty="0"/>
-              <a:t>for some years. He does not want to visit alone and does not have any information regarding what to see and how to get there.</a:t>
+              <a:t>A new student of the Free University of Bolzano arrives in the city. He does not have any friends, and neither has been in South Tyrol before. However, he wants to discover the beauty of the villages and the environment in which he will live for some years. He does not want to visit alone and does not have any information regarding what to see and how to get there.</a:t>
             </a:r>
           </a:p>
           <a:p>
